--- a/PaperPal/PaperPal.pptx
+++ b/PaperPal/PaperPal.pptx
@@ -14,6 +14,7 @@
     <p:sldId id="260" r:id="rId8"/>
     <p:sldId id="263" r:id="rId9"/>
     <p:sldId id="264" r:id="rId10"/>
+    <p:sldId id="265" r:id="rId11"/>
   </p:sldIdLst>
   <p:sldSz cx="12192000" cy="6858000"/>
   <p:notesSz cx="6858000" cy="9144000"/>
@@ -269,7 +270,7 @@
           <a:p>
             <a:fld id="{2C57049F-C3F2-45A2-9009-4EC8DC398F67}" type="datetimeFigureOut">
               <a:rPr lang="en-IN" smtClean="0"/>
-              <a:t>15-09-2025</a:t>
+              <a:t>16-09-2025</a:t>
             </a:fld>
             <a:endParaRPr lang="en-IN"/>
           </a:p>
@@ -469,7 +470,7 @@
           <a:p>
             <a:fld id="{2C57049F-C3F2-45A2-9009-4EC8DC398F67}" type="datetimeFigureOut">
               <a:rPr lang="en-IN" smtClean="0"/>
-              <a:t>15-09-2025</a:t>
+              <a:t>16-09-2025</a:t>
             </a:fld>
             <a:endParaRPr lang="en-IN"/>
           </a:p>
@@ -679,7 +680,7 @@
           <a:p>
             <a:fld id="{2C57049F-C3F2-45A2-9009-4EC8DC398F67}" type="datetimeFigureOut">
               <a:rPr lang="en-IN" smtClean="0"/>
-              <a:t>15-09-2025</a:t>
+              <a:t>16-09-2025</a:t>
             </a:fld>
             <a:endParaRPr lang="en-IN"/>
           </a:p>
@@ -879,7 +880,7 @@
           <a:p>
             <a:fld id="{2C57049F-C3F2-45A2-9009-4EC8DC398F67}" type="datetimeFigureOut">
               <a:rPr lang="en-IN" smtClean="0"/>
-              <a:t>15-09-2025</a:t>
+              <a:t>16-09-2025</a:t>
             </a:fld>
             <a:endParaRPr lang="en-IN"/>
           </a:p>
@@ -1155,7 +1156,7 @@
           <a:p>
             <a:fld id="{2C57049F-C3F2-45A2-9009-4EC8DC398F67}" type="datetimeFigureOut">
               <a:rPr lang="en-IN" smtClean="0"/>
-              <a:t>15-09-2025</a:t>
+              <a:t>16-09-2025</a:t>
             </a:fld>
             <a:endParaRPr lang="en-IN"/>
           </a:p>
@@ -1423,7 +1424,7 @@
           <a:p>
             <a:fld id="{2C57049F-C3F2-45A2-9009-4EC8DC398F67}" type="datetimeFigureOut">
               <a:rPr lang="en-IN" smtClean="0"/>
-              <a:t>15-09-2025</a:t>
+              <a:t>16-09-2025</a:t>
             </a:fld>
             <a:endParaRPr lang="en-IN"/>
           </a:p>
@@ -1838,7 +1839,7 @@
           <a:p>
             <a:fld id="{2C57049F-C3F2-45A2-9009-4EC8DC398F67}" type="datetimeFigureOut">
               <a:rPr lang="en-IN" smtClean="0"/>
-              <a:t>15-09-2025</a:t>
+              <a:t>16-09-2025</a:t>
             </a:fld>
             <a:endParaRPr lang="en-IN"/>
           </a:p>
@@ -1980,7 +1981,7 @@
           <a:p>
             <a:fld id="{2C57049F-C3F2-45A2-9009-4EC8DC398F67}" type="datetimeFigureOut">
               <a:rPr lang="en-IN" smtClean="0"/>
-              <a:t>15-09-2025</a:t>
+              <a:t>16-09-2025</a:t>
             </a:fld>
             <a:endParaRPr lang="en-IN"/>
           </a:p>
@@ -2093,7 +2094,7 @@
           <a:p>
             <a:fld id="{2C57049F-C3F2-45A2-9009-4EC8DC398F67}" type="datetimeFigureOut">
               <a:rPr lang="en-IN" smtClean="0"/>
-              <a:t>15-09-2025</a:t>
+              <a:t>16-09-2025</a:t>
             </a:fld>
             <a:endParaRPr lang="en-IN"/>
           </a:p>
@@ -2406,7 +2407,7 @@
           <a:p>
             <a:fld id="{2C57049F-C3F2-45A2-9009-4EC8DC398F67}" type="datetimeFigureOut">
               <a:rPr lang="en-IN" smtClean="0"/>
-              <a:t>15-09-2025</a:t>
+              <a:t>16-09-2025</a:t>
             </a:fld>
             <a:endParaRPr lang="en-IN"/>
           </a:p>
@@ -2695,7 +2696,7 @@
           <a:p>
             <a:fld id="{2C57049F-C3F2-45A2-9009-4EC8DC398F67}" type="datetimeFigureOut">
               <a:rPr lang="en-IN" smtClean="0"/>
-              <a:t>15-09-2025</a:t>
+              <a:t>16-09-2025</a:t>
             </a:fld>
             <a:endParaRPr lang="en-IN"/>
           </a:p>
@@ -2938,7 +2939,7 @@
           <a:p>
             <a:fld id="{2C57049F-C3F2-45A2-9009-4EC8DC398F67}" type="datetimeFigureOut">
               <a:rPr lang="en-IN" smtClean="0"/>
-              <a:t>15-09-2025</a:t>
+              <a:t>16-09-2025</a:t>
             </a:fld>
             <a:endParaRPr lang="en-IN"/>
           </a:p>
@@ -3444,6 +3445,77 @@
 </p:sld>
 </file>
 
+<file path=ppt/slides/slide10.xml><?xml version="1.0" encoding="utf-8"?>
+<p:sld xmlns:a="http://schemas.openxmlformats.org/drawingml/2006/main" xmlns:r="http://schemas.openxmlformats.org/officeDocument/2006/relationships" xmlns:p="http://schemas.openxmlformats.org/presentationml/2006/main">
+  <p:cSld>
+    <p:spTree>
+      <p:nvGrpSpPr>
+        <p:cNvPr id="1" name="">
+          <a:extLst>
+            <a:ext uri="{FF2B5EF4-FFF2-40B4-BE49-F238E27FC236}">
+              <a16:creationId xmlns:a16="http://schemas.microsoft.com/office/drawing/2014/main" id="{B14A8911-BBE3-4F16-C51A-6DA6DC242A86}"/>
+            </a:ext>
+          </a:extLst>
+        </p:cNvPr>
+        <p:cNvGrpSpPr/>
+        <p:nvPr/>
+      </p:nvGrpSpPr>
+      <p:grpSpPr>
+        <a:xfrm>
+          <a:off x="0" y="0"/>
+          <a:ext cx="0" cy="0"/>
+          <a:chOff x="0" y="0"/>
+          <a:chExt cx="0" cy="0"/>
+        </a:xfrm>
+      </p:grpSpPr>
+      <p:sp>
+        <p:nvSpPr>
+          <p:cNvPr id="2" name="TextBox 1">
+            <a:extLst>
+              <a:ext uri="{FF2B5EF4-FFF2-40B4-BE49-F238E27FC236}">
+                <a16:creationId xmlns:a16="http://schemas.microsoft.com/office/drawing/2014/main" id="{2C6F367F-C662-ECD5-C197-FE708BC49109}"/>
+              </a:ext>
+            </a:extLst>
+          </p:cNvPr>
+          <p:cNvSpPr txBox="1"/>
+          <p:nvPr/>
+        </p:nvSpPr>
+        <p:spPr>
+          <a:xfrm>
+            <a:off x="190500" y="166254"/>
+            <a:ext cx="11811000" cy="400110"/>
+          </a:xfrm>
+          <a:prstGeom prst="rect">
+            <a:avLst/>
+          </a:prstGeom>
+          <a:noFill/>
+        </p:spPr>
+        <p:txBody>
+          <a:bodyPr wrap="square" rtlCol="0">
+            <a:spAutoFit/>
+          </a:bodyPr>
+          <a:lstStyle/>
+          <a:p>
+            <a:r>
+              <a:rPr lang="en-IN" sz="2000" b="1" dirty="0"/>
+              <a:t>&lt;Template&gt;</a:t>
+            </a:r>
+          </a:p>
+        </p:txBody>
+      </p:sp>
+    </p:spTree>
+    <p:extLst>
+      <p:ext uri="{BB962C8B-B14F-4D97-AF65-F5344CB8AC3E}">
+        <p14:creationId xmlns:p14="http://schemas.microsoft.com/office/powerpoint/2010/main" val="2699113692"/>
+      </p:ext>
+    </p:extLst>
+  </p:cSld>
+  <p:clrMapOvr>
+    <a:masterClrMapping/>
+  </p:clrMapOvr>
+</p:sld>
+</file>
+
 <file path=ppt/slides/slide2.xml><?xml version="1.0" encoding="utf-8"?>
 <p:sld xmlns:a="http://schemas.openxmlformats.org/drawingml/2006/main" xmlns:r="http://schemas.openxmlformats.org/officeDocument/2006/relationships" xmlns:p="http://schemas.openxmlformats.org/presentationml/2006/main">
   <p:cSld>
@@ -7235,7 +7307,17 @@
             </a:pPr>
             <a:r>
               <a:rPr lang="en-US" sz="1600" dirty="0"/>
-              <a:t>The API is paid, and the charges depend on the number tokens and model used. Following are the per token pricing of different Perplexity models along with their description.</a:t>
+              <a:t>The API is paid, and the charges depend on the number tokens and model used. Following are the per token pricing of different Perplexity models along with their description [</a:t>
+            </a:r>
+            <a:r>
+              <a:rPr lang="en-US" sz="1600" dirty="0">
+                <a:hlinkClick r:id="rId3"/>
+              </a:rPr>
+              <a:t>Perplexity API Pricing</a:t>
+            </a:r>
+            <a:r>
+              <a:rPr lang="en-US" sz="1600" dirty="0"/>
+              <a:t>].</a:t>
             </a:r>
             <a:endParaRPr lang="en-IN" sz="1600" dirty="0"/>
           </a:p>
@@ -8163,7 +8245,598 @@
           <a:p>
             <a:r>
               <a:rPr lang="en-IN" sz="2000" b="1" dirty="0"/>
-              <a:t>&lt;Template&gt;</a:t>
+              <a:t>Large Language Model (LLM)</a:t>
+            </a:r>
+          </a:p>
+        </p:txBody>
+      </p:sp>
+      <p:pic>
+        <p:nvPicPr>
+          <p:cNvPr id="1026" name="Picture 2" descr="ChatGPT Logo PNG Images With Transparent Background">
+            <a:extLst>
+              <a:ext uri="{FF2B5EF4-FFF2-40B4-BE49-F238E27FC236}">
+                <a16:creationId xmlns:a16="http://schemas.microsoft.com/office/drawing/2014/main" id="{43D7BD52-5730-74D8-EDEF-DF29A768AAF2}"/>
+              </a:ext>
+            </a:extLst>
+          </p:cNvPr>
+          <p:cNvPicPr>
+            <a:picLocks noChangeAspect="1" noChangeArrowheads="1"/>
+          </p:cNvPicPr>
+          <p:nvPr/>
+        </p:nvPicPr>
+        <p:blipFill>
+          <a:blip r:embed="rId2">
+            <a:extLst>
+              <a:ext uri="{28A0092B-C50C-407E-A947-70E740481C1C}">
+                <a14:useLocalDpi xmlns:a14="http://schemas.microsoft.com/office/drawing/2010/main" val="0"/>
+              </a:ext>
+            </a:extLst>
+          </a:blip>
+          <a:srcRect/>
+          <a:stretch>
+            <a:fillRect/>
+          </a:stretch>
+        </p:blipFill>
+        <p:spPr bwMode="auto">
+          <a:xfrm>
+            <a:off x="10387445" y="566364"/>
+            <a:ext cx="1614055" cy="1614055"/>
+          </a:xfrm>
+          <a:prstGeom prst="rect">
+            <a:avLst/>
+          </a:prstGeom>
+          <a:noFill/>
+          <a:extLst>
+            <a:ext uri="{909E8E84-426E-40DD-AFC4-6F175D3DCCD1}">
+              <a14:hiddenFill xmlns:a14="http://schemas.microsoft.com/office/drawing/2010/main">
+                <a:solidFill>
+                  <a:srgbClr val="FFFFFF"/>
+                </a:solidFill>
+              </a14:hiddenFill>
+            </a:ext>
+          </a:extLst>
+        </p:spPr>
+      </p:pic>
+      <p:sp>
+        <p:nvSpPr>
+          <p:cNvPr id="3" name="TextBox 2">
+            <a:extLst>
+              <a:ext uri="{FF2B5EF4-FFF2-40B4-BE49-F238E27FC236}">
+                <a16:creationId xmlns:a16="http://schemas.microsoft.com/office/drawing/2014/main" id="{C0045C30-09B0-6C28-7FF1-85012D157060}"/>
+              </a:ext>
+            </a:extLst>
+          </p:cNvPr>
+          <p:cNvSpPr txBox="1"/>
+          <p:nvPr/>
+        </p:nvSpPr>
+        <p:spPr>
+          <a:xfrm>
+            <a:off x="190500" y="957892"/>
+            <a:ext cx="10196945" cy="830997"/>
+          </a:xfrm>
+          <a:prstGeom prst="rect">
+            <a:avLst/>
+          </a:prstGeom>
+          <a:noFill/>
+        </p:spPr>
+        <p:txBody>
+          <a:bodyPr wrap="square" rtlCol="0">
+            <a:spAutoFit/>
+          </a:bodyPr>
+          <a:lstStyle/>
+          <a:p>
+            <a:pPr marL="285750" indent="-285750">
+              <a:buFont typeface="Arial" panose="020B0604020202020204" pitchFamily="34" charset="0"/>
+              <a:buChar char="•"/>
+            </a:pPr>
+            <a:r>
+              <a:rPr lang="en-IN" sz="1600" dirty="0"/>
+              <a:t>OpenAI LLM is used in this project.</a:t>
+            </a:r>
+          </a:p>
+          <a:p>
+            <a:pPr marL="285750" indent="-285750">
+              <a:buFont typeface="Arial" panose="020B0604020202020204" pitchFamily="34" charset="0"/>
+              <a:buChar char="•"/>
+            </a:pPr>
+            <a:r>
+              <a:rPr lang="en-IN" sz="1600" dirty="0"/>
+              <a:t>The pricing of OpenAI API depends on the number input / output tokens and the model used.</a:t>
+            </a:r>
+          </a:p>
+          <a:p>
+            <a:pPr marL="285750" indent="-285750">
+              <a:buFont typeface="Arial" panose="020B0604020202020204" pitchFamily="34" charset="0"/>
+              <a:buChar char="•"/>
+            </a:pPr>
+            <a:r>
+              <a:rPr lang="en-IN" sz="1600" dirty="0"/>
+              <a:t>Below are the </a:t>
+            </a:r>
+            <a:r>
+              <a:rPr lang="en-IN" sz="1600" dirty="0">
+                <a:hlinkClick r:id="rId3"/>
+              </a:rPr>
+              <a:t>pricing details</a:t>
+            </a:r>
+            <a:r>
+              <a:rPr lang="en-IN" sz="1600" dirty="0"/>
+              <a:t> OpenAI API.</a:t>
+            </a:r>
+          </a:p>
+        </p:txBody>
+      </p:sp>
+      <p:graphicFrame>
+        <p:nvGraphicFramePr>
+          <p:cNvPr id="4" name="Table 3">
+            <a:extLst>
+              <a:ext uri="{FF2B5EF4-FFF2-40B4-BE49-F238E27FC236}">
+                <a16:creationId xmlns:a16="http://schemas.microsoft.com/office/drawing/2014/main" id="{9A06DE22-B9D8-4B35-71B7-4C7DDB70AD53}"/>
+              </a:ext>
+            </a:extLst>
+          </p:cNvPr>
+          <p:cNvGraphicFramePr>
+            <a:graphicFrameLocks noGrp="1"/>
+          </p:cNvGraphicFramePr>
+          <p:nvPr>
+            <p:extLst>
+              <p:ext uri="{D42A27DB-BD31-4B8C-83A1-F6EECF244321}">
+                <p14:modId xmlns:p14="http://schemas.microsoft.com/office/powerpoint/2010/main" val="81221967"/>
+              </p:ext>
+            </p:extLst>
+          </p:nvPr>
+        </p:nvGraphicFramePr>
+        <p:xfrm>
+          <a:off x="190499" y="2413384"/>
+          <a:ext cx="11811000" cy="1584960"/>
+        </p:xfrm>
+        <a:graphic>
+          <a:graphicData uri="http://schemas.openxmlformats.org/drawingml/2006/table">
+            <a:tbl>
+              <a:tblPr firstRow="1" bandRow="1">
+                <a:tableStyleId>{073A0DAA-6AF3-43AB-8588-CEC1D06C72B9}</a:tableStyleId>
+              </a:tblPr>
+              <a:tblGrid>
+                <a:gridCol w="588819">
+                  <a:extLst>
+                    <a:ext uri="{9D8B030D-6E8A-4147-A177-3AD203B41FA5}">
+                      <a16:colId xmlns:a16="http://schemas.microsoft.com/office/drawing/2014/main" val="3526513268"/>
+                    </a:ext>
+                  </a:extLst>
+                </a:gridCol>
+                <a:gridCol w="1423555">
+                  <a:extLst>
+                    <a:ext uri="{9D8B030D-6E8A-4147-A177-3AD203B41FA5}">
+                      <a16:colId xmlns:a16="http://schemas.microsoft.com/office/drawing/2014/main" val="486555153"/>
+                    </a:ext>
+                  </a:extLst>
+                </a:gridCol>
+                <a:gridCol w="1080654">
+                  <a:extLst>
+                    <a:ext uri="{9D8B030D-6E8A-4147-A177-3AD203B41FA5}">
+                      <a16:colId xmlns:a16="http://schemas.microsoft.com/office/drawing/2014/main" val="4098910979"/>
+                    </a:ext>
+                  </a:extLst>
+                </a:gridCol>
+                <a:gridCol w="1579418">
+                  <a:extLst>
+                    <a:ext uri="{9D8B030D-6E8A-4147-A177-3AD203B41FA5}">
+                      <a16:colId xmlns:a16="http://schemas.microsoft.com/office/drawing/2014/main" val="2365097283"/>
+                    </a:ext>
+                  </a:extLst>
+                </a:gridCol>
+                <a:gridCol w="1153391">
+                  <a:extLst>
+                    <a:ext uri="{9D8B030D-6E8A-4147-A177-3AD203B41FA5}">
+                      <a16:colId xmlns:a16="http://schemas.microsoft.com/office/drawing/2014/main" val="2315594704"/>
+                    </a:ext>
+                  </a:extLst>
+                </a:gridCol>
+                <a:gridCol w="5985163">
+                  <a:extLst>
+                    <a:ext uri="{9D8B030D-6E8A-4147-A177-3AD203B41FA5}">
+                      <a16:colId xmlns:a16="http://schemas.microsoft.com/office/drawing/2014/main" val="1591502838"/>
+                    </a:ext>
+                  </a:extLst>
+                </a:gridCol>
+              </a:tblGrid>
+              <a:tr h="276999">
+                <a:tc>
+                  <a:txBody>
+                    <a:bodyPr/>
+                    <a:lstStyle/>
+                    <a:p>
+                      <a:pPr algn="ctr"/>
+                      <a:r>
+                        <a:rPr lang="en-IN" sz="1600" dirty="0"/>
+                        <a:t>#</a:t>
+                      </a:r>
+                    </a:p>
+                  </a:txBody>
+                  <a:tcPr anchor="ctr"/>
+                </a:tc>
+                <a:tc>
+                  <a:txBody>
+                    <a:bodyPr/>
+                    <a:lstStyle/>
+                    <a:p>
+                      <a:pPr algn="ctr"/>
+                      <a:r>
+                        <a:rPr lang="en-IN" sz="1600" dirty="0"/>
+                        <a:t>Model Name</a:t>
+                      </a:r>
+                    </a:p>
+                  </a:txBody>
+                  <a:tcPr anchor="ctr"/>
+                </a:tc>
+                <a:tc>
+                  <a:txBody>
+                    <a:bodyPr/>
+                    <a:lstStyle/>
+                    <a:p>
+                      <a:pPr algn="ctr"/>
+                      <a:r>
+                        <a:rPr lang="en-IN" sz="1600" dirty="0"/>
+                        <a:t>I/P Token</a:t>
+                      </a:r>
+                    </a:p>
+                  </a:txBody>
+                  <a:tcPr anchor="ctr"/>
+                </a:tc>
+                <a:tc>
+                  <a:txBody>
+                    <a:bodyPr/>
+                    <a:lstStyle/>
+                    <a:p>
+                      <a:pPr algn="ctr"/>
+                      <a:r>
+                        <a:rPr lang="en-IN" sz="1600" dirty="0"/>
+                        <a:t>Cached Token</a:t>
+                      </a:r>
+                    </a:p>
+                  </a:txBody>
+                  <a:tcPr anchor="ctr"/>
+                </a:tc>
+                <a:tc>
+                  <a:txBody>
+                    <a:bodyPr/>
+                    <a:lstStyle/>
+                    <a:p>
+                      <a:pPr algn="ctr"/>
+                      <a:r>
+                        <a:rPr lang="en-IN" sz="1600" dirty="0"/>
+                        <a:t>O/P Token</a:t>
+                      </a:r>
+                    </a:p>
+                  </a:txBody>
+                  <a:tcPr anchor="ctr"/>
+                </a:tc>
+                <a:tc>
+                  <a:txBody>
+                    <a:bodyPr/>
+                    <a:lstStyle/>
+                    <a:p>
+                      <a:pPr algn="ctr"/>
+                      <a:r>
+                        <a:rPr lang="en-IN" sz="1600" dirty="0"/>
+                        <a:t>Description</a:t>
+                      </a:r>
+                    </a:p>
+                  </a:txBody>
+                  <a:tcPr anchor="ctr"/>
+                </a:tc>
+                <a:extLst>
+                  <a:ext uri="{0D108BD9-81ED-4DB2-BD59-A6C34878D82A}">
+                    <a16:rowId xmlns:a16="http://schemas.microsoft.com/office/drawing/2014/main" val="569838651"/>
+                  </a:ext>
+                </a:extLst>
+              </a:tr>
+              <a:tr h="276999">
+                <a:tc>
+                  <a:txBody>
+                    <a:bodyPr/>
+                    <a:lstStyle/>
+                    <a:p>
+                      <a:pPr algn="ctr"/>
+                      <a:r>
+                        <a:rPr lang="en-IN" sz="1600" dirty="0"/>
+                        <a:t>1</a:t>
+                      </a:r>
+                    </a:p>
+                  </a:txBody>
+                  <a:tcPr/>
+                </a:tc>
+                <a:tc>
+                  <a:txBody>
+                    <a:bodyPr/>
+                    <a:lstStyle/>
+                    <a:p>
+                      <a:r>
+                        <a:rPr lang="en-IN" sz="1600" dirty="0"/>
+                        <a:t>GPT – 5</a:t>
+                      </a:r>
+                    </a:p>
+                  </a:txBody>
+                  <a:tcPr/>
+                </a:tc>
+                <a:tc>
+                  <a:txBody>
+                    <a:bodyPr/>
+                    <a:lstStyle/>
+                    <a:p>
+                      <a:pPr algn="ctr"/>
+                      <a:r>
+                        <a:rPr lang="en-IN" sz="1600" dirty="0"/>
+                        <a:t>1.250</a:t>
+                      </a:r>
+                    </a:p>
+                  </a:txBody>
+                  <a:tcPr/>
+                </a:tc>
+                <a:tc>
+                  <a:txBody>
+                    <a:bodyPr/>
+                    <a:lstStyle/>
+                    <a:p>
+                      <a:pPr algn="ctr"/>
+                      <a:r>
+                        <a:rPr lang="en-IN" sz="1600" dirty="0"/>
+                        <a:t>0.125</a:t>
+                      </a:r>
+                    </a:p>
+                  </a:txBody>
+                  <a:tcPr/>
+                </a:tc>
+                <a:tc>
+                  <a:txBody>
+                    <a:bodyPr/>
+                    <a:lstStyle/>
+                    <a:p>
+                      <a:pPr algn="ctr"/>
+                      <a:r>
+                        <a:rPr lang="en-IN" sz="1600" dirty="0"/>
+                        <a:t>10</a:t>
+                      </a:r>
+                    </a:p>
+                  </a:txBody>
+                  <a:tcPr/>
+                </a:tc>
+                <a:tc>
+                  <a:txBody>
+                    <a:bodyPr/>
+                    <a:lstStyle/>
+                    <a:p>
+                      <a:r>
+                        <a:rPr lang="en-IN" sz="1600" dirty="0"/>
+                        <a:t>The best model for coding and agentic tasks</a:t>
+                      </a:r>
+                    </a:p>
+                  </a:txBody>
+                  <a:tcPr/>
+                </a:tc>
+                <a:extLst>
+                  <a:ext uri="{0D108BD9-81ED-4DB2-BD59-A6C34878D82A}">
+                    <a16:rowId xmlns:a16="http://schemas.microsoft.com/office/drawing/2014/main" val="553668903"/>
+                  </a:ext>
+                </a:extLst>
+              </a:tr>
+              <a:tr h="276999">
+                <a:tc>
+                  <a:txBody>
+                    <a:bodyPr/>
+                    <a:lstStyle/>
+                    <a:p>
+                      <a:pPr algn="ctr"/>
+                      <a:r>
+                        <a:rPr lang="en-IN" sz="1600" dirty="0"/>
+                        <a:t>2</a:t>
+                      </a:r>
+                    </a:p>
+                  </a:txBody>
+                  <a:tcPr/>
+                </a:tc>
+                <a:tc>
+                  <a:txBody>
+                    <a:bodyPr/>
+                    <a:lstStyle/>
+                    <a:p>
+                      <a:r>
+                        <a:rPr lang="en-IN" sz="1600" dirty="0"/>
+                        <a:t>GPT – 5 mini</a:t>
+                      </a:r>
+                    </a:p>
+                  </a:txBody>
+                  <a:tcPr/>
+                </a:tc>
+                <a:tc>
+                  <a:txBody>
+                    <a:bodyPr/>
+                    <a:lstStyle/>
+                    <a:p>
+                      <a:pPr algn="ctr"/>
+                      <a:r>
+                        <a:rPr lang="en-IN" sz="1600" dirty="0"/>
+                        <a:t>0.250</a:t>
+                      </a:r>
+                    </a:p>
+                  </a:txBody>
+                  <a:tcPr/>
+                </a:tc>
+                <a:tc>
+                  <a:txBody>
+                    <a:bodyPr/>
+                    <a:lstStyle/>
+                    <a:p>
+                      <a:pPr algn="ctr"/>
+                      <a:r>
+                        <a:rPr lang="en-IN" sz="1600" dirty="0"/>
+                        <a:t>0.025</a:t>
+                      </a:r>
+                    </a:p>
+                  </a:txBody>
+                  <a:tcPr/>
+                </a:tc>
+                <a:tc>
+                  <a:txBody>
+                    <a:bodyPr/>
+                    <a:lstStyle/>
+                    <a:p>
+                      <a:pPr algn="ctr"/>
+                      <a:r>
+                        <a:rPr lang="en-IN" sz="1600" dirty="0"/>
+                        <a:t>2</a:t>
+                      </a:r>
+                    </a:p>
+                  </a:txBody>
+                  <a:tcPr/>
+                </a:tc>
+                <a:tc>
+                  <a:txBody>
+                    <a:bodyPr/>
+                    <a:lstStyle/>
+                    <a:p>
+                      <a:r>
+                        <a:rPr lang="en-IN" sz="1600" dirty="0"/>
+                        <a:t>A faster, cheaper version of GPT-5 for well-defined tasks</a:t>
+                      </a:r>
+                    </a:p>
+                  </a:txBody>
+                  <a:tcPr/>
+                </a:tc>
+                <a:extLst>
+                  <a:ext uri="{0D108BD9-81ED-4DB2-BD59-A6C34878D82A}">
+                    <a16:rowId xmlns:a16="http://schemas.microsoft.com/office/drawing/2014/main" val="2804918551"/>
+                  </a:ext>
+                </a:extLst>
+              </a:tr>
+              <a:tr h="276999">
+                <a:tc>
+                  <a:txBody>
+                    <a:bodyPr/>
+                    <a:lstStyle/>
+                    <a:p>
+                      <a:pPr algn="ctr"/>
+                      <a:r>
+                        <a:rPr lang="en-IN" sz="1600" dirty="0"/>
+                        <a:t>3</a:t>
+                      </a:r>
+                    </a:p>
+                  </a:txBody>
+                  <a:tcPr/>
+                </a:tc>
+                <a:tc>
+                  <a:txBody>
+                    <a:bodyPr/>
+                    <a:lstStyle/>
+                    <a:p>
+                      <a:r>
+                        <a:rPr lang="en-IN" sz="1600" dirty="0"/>
+                        <a:t>GPT – 5 nano</a:t>
+                      </a:r>
+                    </a:p>
+                  </a:txBody>
+                  <a:tcPr/>
+                </a:tc>
+                <a:tc>
+                  <a:txBody>
+                    <a:bodyPr/>
+                    <a:lstStyle/>
+                    <a:p>
+                      <a:pPr algn="ctr"/>
+                      <a:r>
+                        <a:rPr lang="en-IN" sz="1600" dirty="0"/>
+                        <a:t>0.050</a:t>
+                      </a:r>
+                    </a:p>
+                  </a:txBody>
+                  <a:tcPr/>
+                </a:tc>
+                <a:tc>
+                  <a:txBody>
+                    <a:bodyPr/>
+                    <a:lstStyle/>
+                    <a:p>
+                      <a:pPr algn="ctr"/>
+                      <a:r>
+                        <a:rPr lang="en-IN" sz="1600" dirty="0"/>
+                        <a:t>0.005</a:t>
+                      </a:r>
+                    </a:p>
+                  </a:txBody>
+                  <a:tcPr/>
+                </a:tc>
+                <a:tc>
+                  <a:txBody>
+                    <a:bodyPr/>
+                    <a:lstStyle/>
+                    <a:p>
+                      <a:pPr algn="ctr"/>
+                      <a:r>
+                        <a:rPr lang="en-IN" sz="1600" dirty="0"/>
+                        <a:t>0.4</a:t>
+                      </a:r>
+                    </a:p>
+                  </a:txBody>
+                  <a:tcPr/>
+                </a:tc>
+                <a:tc>
+                  <a:txBody>
+                    <a:bodyPr/>
+                    <a:lstStyle/>
+                    <a:p>
+                      <a:r>
+                        <a:rPr lang="en-IN" sz="1600" dirty="0"/>
+                        <a:t>The fastest, cheapest version of GPT-5 for summarization and classification tasks</a:t>
+                      </a:r>
+                    </a:p>
+                  </a:txBody>
+                  <a:tcPr/>
+                </a:tc>
+                <a:extLst>
+                  <a:ext uri="{0D108BD9-81ED-4DB2-BD59-A6C34878D82A}">
+                    <a16:rowId xmlns:a16="http://schemas.microsoft.com/office/drawing/2014/main" val="3793817770"/>
+                  </a:ext>
+                </a:extLst>
+              </a:tr>
+            </a:tbl>
+          </a:graphicData>
+        </a:graphic>
+      </p:graphicFrame>
+      <p:sp>
+        <p:nvSpPr>
+          <p:cNvPr id="5" name="TextBox 4">
+            <a:extLst>
+              <a:ext uri="{FF2B5EF4-FFF2-40B4-BE49-F238E27FC236}">
+                <a16:creationId xmlns:a16="http://schemas.microsoft.com/office/drawing/2014/main" id="{6B8DD3E4-5EF0-0F16-673B-4F2BD7563AD0}"/>
+              </a:ext>
+            </a:extLst>
+          </p:cNvPr>
+          <p:cNvSpPr txBox="1"/>
+          <p:nvPr/>
+        </p:nvSpPr>
+        <p:spPr>
+          <a:xfrm>
+            <a:off x="190502" y="3998344"/>
+            <a:ext cx="11810997" cy="338554"/>
+          </a:xfrm>
+          <a:prstGeom prst="rect">
+            <a:avLst/>
+          </a:prstGeom>
+          <a:noFill/>
+        </p:spPr>
+        <p:txBody>
+          <a:bodyPr wrap="square" rtlCol="0">
+            <a:spAutoFit/>
+          </a:bodyPr>
+          <a:lstStyle/>
+          <a:p>
+            <a:r>
+              <a:rPr lang="en-IN" sz="1600" b="1" dirty="0"/>
+              <a:t>NOTE: </a:t>
+            </a:r>
+            <a:r>
+              <a:rPr lang="en-IN" sz="1600" dirty="0"/>
+              <a:t>Above prices are in US Dollars per million tokens</a:t>
             </a:r>
           </a:p>
         </p:txBody>

--- a/PaperPal/PaperPal.pptx
+++ b/PaperPal/PaperPal.pptx
@@ -15,6 +15,8 @@
     <p:sldId id="263" r:id="rId9"/>
     <p:sldId id="264" r:id="rId10"/>
     <p:sldId id="265" r:id="rId11"/>
+    <p:sldId id="266" r:id="rId12"/>
+    <p:sldId id="267" r:id="rId13"/>
   </p:sldIdLst>
   <p:sldSz cx="12192000" cy="6858000"/>
   <p:notesSz cx="6858000" cy="9144000"/>
@@ -270,7 +272,7 @@
           <a:p>
             <a:fld id="{2C57049F-C3F2-45A2-9009-4EC8DC398F67}" type="datetimeFigureOut">
               <a:rPr lang="en-IN" smtClean="0"/>
-              <a:t>16-09-2025</a:t>
+              <a:t>18-09-2025</a:t>
             </a:fld>
             <a:endParaRPr lang="en-IN"/>
           </a:p>
@@ -470,7 +472,7 @@
           <a:p>
             <a:fld id="{2C57049F-C3F2-45A2-9009-4EC8DC398F67}" type="datetimeFigureOut">
               <a:rPr lang="en-IN" smtClean="0"/>
-              <a:t>16-09-2025</a:t>
+              <a:t>18-09-2025</a:t>
             </a:fld>
             <a:endParaRPr lang="en-IN"/>
           </a:p>
@@ -680,7 +682,7 @@
           <a:p>
             <a:fld id="{2C57049F-C3F2-45A2-9009-4EC8DC398F67}" type="datetimeFigureOut">
               <a:rPr lang="en-IN" smtClean="0"/>
-              <a:t>16-09-2025</a:t>
+              <a:t>18-09-2025</a:t>
             </a:fld>
             <a:endParaRPr lang="en-IN"/>
           </a:p>
@@ -880,7 +882,7 @@
           <a:p>
             <a:fld id="{2C57049F-C3F2-45A2-9009-4EC8DC398F67}" type="datetimeFigureOut">
               <a:rPr lang="en-IN" smtClean="0"/>
-              <a:t>16-09-2025</a:t>
+              <a:t>18-09-2025</a:t>
             </a:fld>
             <a:endParaRPr lang="en-IN"/>
           </a:p>
@@ -1156,7 +1158,7 @@
           <a:p>
             <a:fld id="{2C57049F-C3F2-45A2-9009-4EC8DC398F67}" type="datetimeFigureOut">
               <a:rPr lang="en-IN" smtClean="0"/>
-              <a:t>16-09-2025</a:t>
+              <a:t>18-09-2025</a:t>
             </a:fld>
             <a:endParaRPr lang="en-IN"/>
           </a:p>
@@ -1424,7 +1426,7 @@
           <a:p>
             <a:fld id="{2C57049F-C3F2-45A2-9009-4EC8DC398F67}" type="datetimeFigureOut">
               <a:rPr lang="en-IN" smtClean="0"/>
-              <a:t>16-09-2025</a:t>
+              <a:t>18-09-2025</a:t>
             </a:fld>
             <a:endParaRPr lang="en-IN"/>
           </a:p>
@@ -1839,7 +1841,7 @@
           <a:p>
             <a:fld id="{2C57049F-C3F2-45A2-9009-4EC8DC398F67}" type="datetimeFigureOut">
               <a:rPr lang="en-IN" smtClean="0"/>
-              <a:t>16-09-2025</a:t>
+              <a:t>18-09-2025</a:t>
             </a:fld>
             <a:endParaRPr lang="en-IN"/>
           </a:p>
@@ -1981,7 +1983,7 @@
           <a:p>
             <a:fld id="{2C57049F-C3F2-45A2-9009-4EC8DC398F67}" type="datetimeFigureOut">
               <a:rPr lang="en-IN" smtClean="0"/>
-              <a:t>16-09-2025</a:t>
+              <a:t>18-09-2025</a:t>
             </a:fld>
             <a:endParaRPr lang="en-IN"/>
           </a:p>
@@ -2094,7 +2096,7 @@
           <a:p>
             <a:fld id="{2C57049F-C3F2-45A2-9009-4EC8DC398F67}" type="datetimeFigureOut">
               <a:rPr lang="en-IN" smtClean="0"/>
-              <a:t>16-09-2025</a:t>
+              <a:t>18-09-2025</a:t>
             </a:fld>
             <a:endParaRPr lang="en-IN"/>
           </a:p>
@@ -2407,7 +2409,7 @@
           <a:p>
             <a:fld id="{2C57049F-C3F2-45A2-9009-4EC8DC398F67}" type="datetimeFigureOut">
               <a:rPr lang="en-IN" smtClean="0"/>
-              <a:t>16-09-2025</a:t>
+              <a:t>18-09-2025</a:t>
             </a:fld>
             <a:endParaRPr lang="en-IN"/>
           </a:p>
@@ -2696,7 +2698,7 @@
           <a:p>
             <a:fld id="{2C57049F-C3F2-45A2-9009-4EC8DC398F67}" type="datetimeFigureOut">
               <a:rPr lang="en-IN" smtClean="0"/>
-              <a:t>16-09-2025</a:t>
+              <a:t>18-09-2025</a:t>
             </a:fld>
             <a:endParaRPr lang="en-IN"/>
           </a:p>
@@ -2939,7 +2941,7 @@
           <a:p>
             <a:fld id="{2C57049F-C3F2-45A2-9009-4EC8DC398F67}" type="datetimeFigureOut">
               <a:rPr lang="en-IN" smtClean="0"/>
-              <a:t>16-09-2025</a:t>
+              <a:t>18-09-2025</a:t>
             </a:fld>
             <a:endParaRPr lang="en-IN"/>
           </a:p>
@@ -3498,7 +3500,525 @@
           <a:p>
             <a:r>
               <a:rPr lang="en-IN" sz="2000" b="1" dirty="0"/>
-              <a:t>&lt;Template&gt;</a:t>
+              <a:t>LLMOps Frameworks: LangSmith vs LangFuse</a:t>
+            </a:r>
+          </a:p>
+        </p:txBody>
+      </p:sp>
+      <p:pic>
+        <p:nvPicPr>
+          <p:cNvPr id="5" name="Picture 4" descr="A blue and white text&#10;&#10;AI-generated content may be incorrect.">
+            <a:extLst>
+              <a:ext uri="{FF2B5EF4-FFF2-40B4-BE49-F238E27FC236}">
+                <a16:creationId xmlns:a16="http://schemas.microsoft.com/office/drawing/2014/main" id="{70ABBFE9-9695-67B2-CD28-10290D20027F}"/>
+              </a:ext>
+            </a:extLst>
+          </p:cNvPr>
+          <p:cNvPicPr>
+            <a:picLocks noChangeAspect="1"/>
+          </p:cNvPicPr>
+          <p:nvPr/>
+        </p:nvPicPr>
+        <p:blipFill>
+          <a:blip r:embed="rId2">
+            <a:extLst>
+              <a:ext uri="{28A0092B-C50C-407E-A947-70E740481C1C}">
+                <a14:useLocalDpi xmlns:a14="http://schemas.microsoft.com/office/drawing/2010/main" val="0"/>
+              </a:ext>
+            </a:extLst>
+          </a:blip>
+          <a:stretch>
+            <a:fillRect/>
+          </a:stretch>
+        </p:blipFill>
+        <p:spPr>
+          <a:xfrm rot="16200000">
+            <a:off x="-514730" y="3458263"/>
+            <a:ext cx="1866840" cy="464561"/>
+          </a:xfrm>
+          <a:prstGeom prst="rect">
+            <a:avLst/>
+          </a:prstGeom>
+        </p:spPr>
+      </p:pic>
+      <p:pic>
+        <p:nvPicPr>
+          <p:cNvPr id="7" name="Picture 6" descr="A black and white logo&#10;&#10;AI-generated content may be incorrect.">
+            <a:extLst>
+              <a:ext uri="{FF2B5EF4-FFF2-40B4-BE49-F238E27FC236}">
+                <a16:creationId xmlns:a16="http://schemas.microsoft.com/office/drawing/2014/main" id="{84EFBE2D-09F5-E504-0327-A01FBA471240}"/>
+              </a:ext>
+            </a:extLst>
+          </p:cNvPr>
+          <p:cNvPicPr>
+            <a:picLocks noChangeAspect="1"/>
+          </p:cNvPicPr>
+          <p:nvPr/>
+        </p:nvPicPr>
+        <p:blipFill>
+          <a:blip r:embed="rId3">
+            <a:extLst>
+              <a:ext uri="{28A0092B-C50C-407E-A947-70E740481C1C}">
+                <a14:useLocalDpi xmlns:a14="http://schemas.microsoft.com/office/drawing/2010/main" val="0"/>
+              </a:ext>
+            </a:extLst>
+          </a:blip>
+          <a:stretch>
+            <a:fillRect/>
+          </a:stretch>
+        </p:blipFill>
+        <p:spPr>
+          <a:xfrm rot="16200000">
+            <a:off x="-508594" y="5435619"/>
+            <a:ext cx="1866842" cy="468651"/>
+          </a:xfrm>
+          <a:prstGeom prst="rect">
+            <a:avLst/>
+          </a:prstGeom>
+        </p:spPr>
+      </p:pic>
+      <p:sp>
+        <p:nvSpPr>
+          <p:cNvPr id="8" name="Rectangle 7">
+            <a:extLst>
+              <a:ext uri="{FF2B5EF4-FFF2-40B4-BE49-F238E27FC236}">
+                <a16:creationId xmlns:a16="http://schemas.microsoft.com/office/drawing/2014/main" id="{CF0BE3B4-6BF0-EB68-221D-E154629EE7A7}"/>
+              </a:ext>
+            </a:extLst>
+          </p:cNvPr>
+          <p:cNvSpPr/>
+          <p:nvPr/>
+        </p:nvSpPr>
+        <p:spPr>
+          <a:xfrm>
+            <a:off x="650969" y="2757123"/>
+            <a:ext cx="11338257" cy="1866841"/>
+          </a:xfrm>
+          <a:prstGeom prst="rect">
+            <a:avLst/>
+          </a:prstGeom>
+          <a:solidFill>
+            <a:schemeClr val="bg1">
+              <a:lumMod val="95000"/>
+            </a:schemeClr>
+          </a:solidFill>
+          <a:ln>
+            <a:solidFill>
+              <a:schemeClr val="bg1">
+                <a:lumMod val="95000"/>
+              </a:schemeClr>
+            </a:solidFill>
+          </a:ln>
+        </p:spPr>
+        <p:style>
+          <a:lnRef idx="2">
+            <a:schemeClr val="accent1">
+              <a:shade val="15000"/>
+            </a:schemeClr>
+          </a:lnRef>
+          <a:fillRef idx="1">
+            <a:schemeClr val="accent1"/>
+          </a:fillRef>
+          <a:effectRef idx="0">
+            <a:schemeClr val="accent1"/>
+          </a:effectRef>
+          <a:fontRef idx="minor">
+            <a:schemeClr val="lt1"/>
+          </a:fontRef>
+        </p:style>
+        <p:txBody>
+          <a:bodyPr rtlCol="0" anchor="t"/>
+          <a:lstStyle/>
+          <a:p>
+            <a:pPr marL="72000" indent="-144000">
+              <a:buFont typeface="Arial" panose="020B0604020202020204" pitchFamily="34" charset="0"/>
+              <a:buChar char="•"/>
+            </a:pPr>
+            <a:r>
+              <a:rPr lang="en-IN" sz="1600" dirty="0">
+                <a:solidFill>
+                  <a:schemeClr val="tx1"/>
+                </a:solidFill>
+              </a:rPr>
+              <a:t>A cloud-hosted LLMOps platform by </a:t>
+            </a:r>
+            <a:r>
+              <a:rPr lang="en-IN" sz="1600" dirty="0" err="1">
+                <a:solidFill>
+                  <a:schemeClr val="tx1"/>
+                </a:solidFill>
+              </a:rPr>
+              <a:t>LangChain</a:t>
+            </a:r>
+            <a:endParaRPr lang="en-IN" sz="1600" dirty="0">
+              <a:solidFill>
+                <a:schemeClr val="tx1"/>
+              </a:solidFill>
+            </a:endParaRPr>
+          </a:p>
+          <a:p>
+            <a:pPr marL="72000" indent="-144000">
+              <a:buFont typeface="Arial" panose="020B0604020202020204" pitchFamily="34" charset="0"/>
+              <a:buChar char="•"/>
+            </a:pPr>
+            <a:r>
+              <a:rPr lang="en-IN" sz="1600" dirty="0">
+                <a:solidFill>
+                  <a:schemeClr val="tx1"/>
+                </a:solidFill>
+              </a:rPr>
+              <a:t>Tight integration with </a:t>
+            </a:r>
+            <a:r>
+              <a:rPr lang="en-IN" sz="1600" dirty="0" err="1">
+                <a:solidFill>
+                  <a:schemeClr val="tx1"/>
+                </a:solidFill>
+              </a:rPr>
+              <a:t>LangChain</a:t>
+            </a:r>
+            <a:r>
+              <a:rPr lang="en-IN" sz="1600" dirty="0">
+                <a:solidFill>
+                  <a:schemeClr val="tx1"/>
+                </a:solidFill>
+              </a:rPr>
+              <a:t> ecosystem (LangGraph, etc.)</a:t>
+            </a:r>
+          </a:p>
+          <a:p>
+            <a:pPr marL="72000" indent="-144000">
+              <a:buFont typeface="Arial" panose="020B0604020202020204" pitchFamily="34" charset="0"/>
+              <a:buChar char="•"/>
+            </a:pPr>
+            <a:r>
+              <a:rPr lang="en-IN" sz="1600" dirty="0">
+                <a:solidFill>
+                  <a:schemeClr val="tx1"/>
+                </a:solidFill>
+              </a:rPr>
+              <a:t>Self-hosting on local machine is possible but only for enterprise plan</a:t>
+            </a:r>
+          </a:p>
+          <a:p>
+            <a:pPr marL="72000" indent="-144000">
+              <a:buFont typeface="Arial" panose="020B0604020202020204" pitchFamily="34" charset="0"/>
+              <a:buChar char="•"/>
+            </a:pPr>
+            <a:r>
+              <a:rPr lang="en-IN" sz="1600" dirty="0">
+                <a:solidFill>
+                  <a:schemeClr val="tx1"/>
+                </a:solidFill>
+              </a:rPr>
+              <a:t>The free-tier of LangSmith offers 5,000 base traces per month (i.e., one run of your code will be counted as 1 trace)</a:t>
+            </a:r>
+          </a:p>
+          <a:p>
+            <a:pPr marL="72000" indent="-144000">
+              <a:buFont typeface="Arial" panose="020B0604020202020204" pitchFamily="34" charset="0"/>
+              <a:buChar char="•"/>
+            </a:pPr>
+            <a:r>
+              <a:rPr lang="en-IN" sz="1600" dirty="0">
+                <a:solidFill>
+                  <a:schemeClr val="tx1"/>
+                </a:solidFill>
+              </a:rPr>
+              <a:t>Great UI / UX</a:t>
+            </a:r>
+          </a:p>
+        </p:txBody>
+      </p:sp>
+      <p:sp>
+        <p:nvSpPr>
+          <p:cNvPr id="9" name="Rectangle 8">
+            <a:extLst>
+              <a:ext uri="{FF2B5EF4-FFF2-40B4-BE49-F238E27FC236}">
+                <a16:creationId xmlns:a16="http://schemas.microsoft.com/office/drawing/2014/main" id="{D2D621BD-2B28-746D-7EA1-047983F9C994}"/>
+              </a:ext>
+            </a:extLst>
+          </p:cNvPr>
+          <p:cNvSpPr/>
+          <p:nvPr/>
+        </p:nvSpPr>
+        <p:spPr>
+          <a:xfrm>
+            <a:off x="659151" y="4736524"/>
+            <a:ext cx="11338257" cy="1866842"/>
+          </a:xfrm>
+          <a:prstGeom prst="rect">
+            <a:avLst/>
+          </a:prstGeom>
+          <a:solidFill>
+            <a:schemeClr val="bg1">
+              <a:lumMod val="95000"/>
+            </a:schemeClr>
+          </a:solidFill>
+          <a:ln>
+            <a:solidFill>
+              <a:schemeClr val="bg1">
+                <a:lumMod val="95000"/>
+              </a:schemeClr>
+            </a:solidFill>
+          </a:ln>
+        </p:spPr>
+        <p:style>
+          <a:lnRef idx="2">
+            <a:schemeClr val="accent1">
+              <a:shade val="15000"/>
+            </a:schemeClr>
+          </a:lnRef>
+          <a:fillRef idx="1">
+            <a:schemeClr val="accent1"/>
+          </a:fillRef>
+          <a:effectRef idx="0">
+            <a:schemeClr val="accent1"/>
+          </a:effectRef>
+          <a:fontRef idx="minor">
+            <a:schemeClr val="lt1"/>
+          </a:fontRef>
+        </p:style>
+        <p:txBody>
+          <a:bodyPr rtlCol="0" anchor="t"/>
+          <a:lstStyle/>
+          <a:p>
+            <a:pPr marL="72000" indent="-144000">
+              <a:buFont typeface="Arial" panose="020B0604020202020204" pitchFamily="34" charset="0"/>
+              <a:buChar char="•"/>
+            </a:pPr>
+            <a:r>
+              <a:rPr lang="en-IN" dirty="0">
+                <a:solidFill>
+                  <a:schemeClr val="tx1"/>
+                </a:solidFill>
+              </a:rPr>
+              <a:t>An open-source LLMOps platform</a:t>
+            </a:r>
+          </a:p>
+          <a:p>
+            <a:pPr marL="72000" indent="-144000">
+              <a:buFont typeface="Arial" panose="020B0604020202020204" pitchFamily="34" charset="0"/>
+              <a:buChar char="•"/>
+            </a:pPr>
+            <a:r>
+              <a:rPr lang="en-IN" dirty="0">
+                <a:solidFill>
+                  <a:schemeClr val="tx1"/>
+                </a:solidFill>
+              </a:rPr>
+              <a:t>Framework-agnostic: it works with </a:t>
+            </a:r>
+            <a:r>
+              <a:rPr lang="en-IN" dirty="0" err="1">
+                <a:solidFill>
+                  <a:schemeClr val="tx1"/>
+                </a:solidFill>
+              </a:rPr>
+              <a:t>LangChain</a:t>
+            </a:r>
+            <a:r>
+              <a:rPr lang="en-IN" dirty="0">
+                <a:solidFill>
+                  <a:schemeClr val="tx1"/>
+                </a:solidFill>
+              </a:rPr>
+              <a:t>, </a:t>
+            </a:r>
+            <a:r>
+              <a:rPr lang="en-IN" dirty="0" err="1">
+                <a:solidFill>
+                  <a:schemeClr val="tx1"/>
+                </a:solidFill>
+              </a:rPr>
+              <a:t>LlamaIndex</a:t>
+            </a:r>
+            <a:r>
+              <a:rPr lang="en-IN" dirty="0">
+                <a:solidFill>
+                  <a:schemeClr val="tx1"/>
+                </a:solidFill>
+              </a:rPr>
+              <a:t>, custom SDKs, etc.</a:t>
+            </a:r>
+          </a:p>
+          <a:p>
+            <a:pPr marL="72000" indent="-144000">
+              <a:buFont typeface="Arial" panose="020B0604020202020204" pitchFamily="34" charset="0"/>
+              <a:buChar char="•"/>
+            </a:pPr>
+            <a:r>
+              <a:rPr lang="en-IN" dirty="0">
+                <a:solidFill>
+                  <a:schemeClr val="tx1"/>
+                </a:solidFill>
+              </a:rPr>
+              <a:t>Offers both: self-hostable docker free of cost and cloud service</a:t>
+            </a:r>
+          </a:p>
+          <a:p>
+            <a:pPr marL="72000" indent="-144000">
+              <a:buFont typeface="Arial" panose="020B0604020202020204" pitchFamily="34" charset="0"/>
+              <a:buChar char="•"/>
+            </a:pPr>
+            <a:endParaRPr lang="en-IN" dirty="0">
+              <a:solidFill>
+                <a:schemeClr val="tx1"/>
+              </a:solidFill>
+            </a:endParaRPr>
+          </a:p>
+        </p:txBody>
+      </p:sp>
+      <p:sp>
+        <p:nvSpPr>
+          <p:cNvPr id="11" name="Rectangle 10">
+            <a:extLst>
+              <a:ext uri="{FF2B5EF4-FFF2-40B4-BE49-F238E27FC236}">
+                <a16:creationId xmlns:a16="http://schemas.microsoft.com/office/drawing/2014/main" id="{FE75F4C5-F90C-976F-F174-6897D65AAA1D}"/>
+              </a:ext>
+            </a:extLst>
+          </p:cNvPr>
+          <p:cNvSpPr/>
+          <p:nvPr/>
+        </p:nvSpPr>
+        <p:spPr>
+          <a:xfrm>
+            <a:off x="190500" y="566364"/>
+            <a:ext cx="11806908" cy="2078199"/>
+          </a:xfrm>
+          <a:prstGeom prst="rect">
+            <a:avLst/>
+          </a:prstGeom>
+          <a:solidFill>
+            <a:schemeClr val="bg1">
+              <a:lumMod val="95000"/>
+            </a:schemeClr>
+          </a:solidFill>
+          <a:ln>
+            <a:solidFill>
+              <a:schemeClr val="bg1">
+                <a:lumMod val="95000"/>
+              </a:schemeClr>
+            </a:solidFill>
+          </a:ln>
+        </p:spPr>
+        <p:style>
+          <a:lnRef idx="2">
+            <a:schemeClr val="accent1">
+              <a:shade val="15000"/>
+            </a:schemeClr>
+          </a:lnRef>
+          <a:fillRef idx="1">
+            <a:schemeClr val="accent1"/>
+          </a:fillRef>
+          <a:effectRef idx="0">
+            <a:schemeClr val="accent1"/>
+          </a:effectRef>
+          <a:fontRef idx="minor">
+            <a:schemeClr val="lt1"/>
+          </a:fontRef>
+        </p:style>
+        <p:txBody>
+          <a:bodyPr rtlCol="0" anchor="t"/>
+          <a:lstStyle/>
+          <a:p>
+            <a:pPr marL="72000" indent="-144000">
+              <a:buFont typeface="Arial" panose="020B0604020202020204" pitchFamily="34" charset="0"/>
+              <a:buChar char="•"/>
+            </a:pPr>
+            <a:r>
+              <a:rPr lang="en-IN" sz="1600" dirty="0">
+                <a:solidFill>
+                  <a:schemeClr val="tx1"/>
+                </a:solidFill>
+              </a:rPr>
+              <a:t>LLMOps (</a:t>
+            </a:r>
+            <a:r>
+              <a:rPr lang="en-IN" sz="1600" dirty="0" err="1">
+                <a:solidFill>
+                  <a:schemeClr val="tx1"/>
+                </a:solidFill>
+              </a:rPr>
+              <a:t>MLOps</a:t>
+            </a:r>
+            <a:r>
+              <a:rPr lang="en-IN" sz="1600" dirty="0">
+                <a:solidFill>
+                  <a:schemeClr val="tx1"/>
+                </a:solidFill>
+              </a:rPr>
+              <a:t> for Large Language Models) tools help you develop, test, deploy, monitor, and manage LLM-powered applications.</a:t>
+            </a:r>
+          </a:p>
+          <a:p>
+            <a:pPr marL="72000" indent="-144000">
+              <a:buFont typeface="Arial" panose="020B0604020202020204" pitchFamily="34" charset="0"/>
+              <a:buChar char="•"/>
+            </a:pPr>
+            <a:r>
+              <a:rPr lang="en-IN" sz="1600" dirty="0">
+                <a:solidFill>
+                  <a:schemeClr val="tx1"/>
+                </a:solidFill>
+              </a:rPr>
+              <a:t>Within LLMOps, both LangSmith and LangFuse focus on:</a:t>
+            </a:r>
+          </a:p>
+          <a:p>
+            <a:pPr marL="670950" lvl="1" indent="-285750">
+              <a:buFont typeface="Courier New" panose="02070309020205020404" pitchFamily="49" charset="0"/>
+              <a:buChar char="o"/>
+            </a:pPr>
+            <a:r>
+              <a:rPr lang="en-IN" sz="1600" dirty="0">
+                <a:solidFill>
+                  <a:schemeClr val="tx1"/>
+                </a:solidFill>
+              </a:rPr>
+              <a:t>Prompt Management: versioning, templating, evaluation</a:t>
+            </a:r>
+          </a:p>
+          <a:p>
+            <a:pPr marL="670950" lvl="1" indent="-285750">
+              <a:buFont typeface="Courier New" panose="02070309020205020404" pitchFamily="49" charset="0"/>
+              <a:buChar char="o"/>
+            </a:pPr>
+            <a:r>
+              <a:rPr lang="en-IN" sz="1600" dirty="0">
+                <a:solidFill>
+                  <a:schemeClr val="tx1"/>
+                </a:solidFill>
+              </a:rPr>
+              <a:t>Tracing &amp; Observability: records what prompts / LLM calls ran, inputs / outputs, costs, latency</a:t>
+            </a:r>
+          </a:p>
+          <a:p>
+            <a:pPr marL="670950" lvl="1" indent="-285750">
+              <a:buFont typeface="Courier New" panose="02070309020205020404" pitchFamily="49" charset="0"/>
+              <a:buChar char="o"/>
+            </a:pPr>
+            <a:r>
+              <a:rPr lang="en-IN" sz="1600" dirty="0">
+                <a:solidFill>
+                  <a:schemeClr val="tx1"/>
+                </a:solidFill>
+              </a:rPr>
+              <a:t>Evaluation &amp; Debugging: compare prompt versions, run eval datasets, records where app fails</a:t>
+            </a:r>
+          </a:p>
+          <a:p>
+            <a:pPr marL="670950" lvl="1" indent="-285750">
+              <a:buFont typeface="Courier New" panose="02070309020205020404" pitchFamily="49" charset="0"/>
+              <a:buChar char="o"/>
+            </a:pPr>
+            <a:r>
+              <a:rPr lang="en-IN" sz="1600" dirty="0">
+                <a:solidFill>
+                  <a:schemeClr val="tx1"/>
+                </a:solidFill>
+              </a:rPr>
+              <a:t>Collaboration: UI dashboard for teams to test and iterate</a:t>
             </a:r>
           </a:p>
         </p:txBody>
@@ -3507,6 +4027,790 @@
     <p:extLst>
       <p:ext uri="{BB962C8B-B14F-4D97-AF65-F5344CB8AC3E}">
         <p14:creationId xmlns:p14="http://schemas.microsoft.com/office/powerpoint/2010/main" val="2699113692"/>
+      </p:ext>
+    </p:extLst>
+  </p:cSld>
+  <p:clrMapOvr>
+    <a:masterClrMapping/>
+  </p:clrMapOvr>
+</p:sld>
+</file>
+
+<file path=ppt/slides/slide11.xml><?xml version="1.0" encoding="utf-8"?>
+<p:sld xmlns:a="http://schemas.openxmlformats.org/drawingml/2006/main" xmlns:r="http://schemas.openxmlformats.org/officeDocument/2006/relationships" xmlns:p="http://schemas.openxmlformats.org/presentationml/2006/main">
+  <p:cSld>
+    <p:spTree>
+      <p:nvGrpSpPr>
+        <p:cNvPr id="1" name="">
+          <a:extLst>
+            <a:ext uri="{FF2B5EF4-FFF2-40B4-BE49-F238E27FC236}">
+              <a16:creationId xmlns:a16="http://schemas.microsoft.com/office/drawing/2014/main" id="{022856C5-767D-2E1F-D62A-0E2BB097863A}"/>
+            </a:ext>
+          </a:extLst>
+        </p:cNvPr>
+        <p:cNvGrpSpPr/>
+        <p:nvPr/>
+      </p:nvGrpSpPr>
+      <p:grpSpPr>
+        <a:xfrm>
+          <a:off x="0" y="0"/>
+          <a:ext cx="0" cy="0"/>
+          <a:chOff x="0" y="0"/>
+          <a:chExt cx="0" cy="0"/>
+        </a:xfrm>
+      </p:grpSpPr>
+      <p:sp>
+        <p:nvSpPr>
+          <p:cNvPr id="2" name="TextBox 1">
+            <a:extLst>
+              <a:ext uri="{FF2B5EF4-FFF2-40B4-BE49-F238E27FC236}">
+                <a16:creationId xmlns:a16="http://schemas.microsoft.com/office/drawing/2014/main" id="{F7E8B644-A74C-5CD4-985B-3DAB5AD1BBC2}"/>
+              </a:ext>
+            </a:extLst>
+          </p:cNvPr>
+          <p:cNvSpPr txBox="1"/>
+          <p:nvPr/>
+        </p:nvSpPr>
+        <p:spPr>
+          <a:xfrm>
+            <a:off x="190500" y="166254"/>
+            <a:ext cx="11811000" cy="400110"/>
+          </a:xfrm>
+          <a:prstGeom prst="rect">
+            <a:avLst/>
+          </a:prstGeom>
+          <a:noFill/>
+        </p:spPr>
+        <p:txBody>
+          <a:bodyPr wrap="square" rtlCol="0">
+            <a:spAutoFit/>
+          </a:bodyPr>
+          <a:lstStyle/>
+          <a:p>
+            <a:r>
+              <a:rPr lang="en-IN" sz="2000" b="1" dirty="0"/>
+              <a:t>LLMOps Frameworks: LangFuse Cloud vs LangFuse Docker</a:t>
+            </a:r>
+          </a:p>
+        </p:txBody>
+      </p:sp>
+      <p:sp>
+        <p:nvSpPr>
+          <p:cNvPr id="3" name="Rectangle 2">
+            <a:extLst>
+              <a:ext uri="{FF2B5EF4-FFF2-40B4-BE49-F238E27FC236}">
+                <a16:creationId xmlns:a16="http://schemas.microsoft.com/office/drawing/2014/main" id="{995A1D32-F3CF-F654-588C-776AD8E6CF21}"/>
+              </a:ext>
+            </a:extLst>
+          </p:cNvPr>
+          <p:cNvSpPr/>
+          <p:nvPr/>
+        </p:nvSpPr>
+        <p:spPr>
+          <a:xfrm>
+            <a:off x="720004" y="566362"/>
+            <a:ext cx="1940349" cy="2770629"/>
+          </a:xfrm>
+          <a:prstGeom prst="rect">
+            <a:avLst/>
+          </a:prstGeom>
+          <a:solidFill>
+            <a:schemeClr val="bg1">
+              <a:lumMod val="95000"/>
+            </a:schemeClr>
+          </a:solidFill>
+          <a:ln>
+            <a:solidFill>
+              <a:schemeClr val="bg1">
+                <a:lumMod val="95000"/>
+              </a:schemeClr>
+            </a:solidFill>
+          </a:ln>
+        </p:spPr>
+        <p:style>
+          <a:lnRef idx="2">
+            <a:schemeClr val="accent1">
+              <a:shade val="15000"/>
+            </a:schemeClr>
+          </a:lnRef>
+          <a:fillRef idx="1">
+            <a:schemeClr val="accent1"/>
+          </a:fillRef>
+          <a:effectRef idx="0">
+            <a:schemeClr val="accent1"/>
+          </a:effectRef>
+          <a:fontRef idx="minor">
+            <a:schemeClr val="lt1"/>
+          </a:fontRef>
+        </p:style>
+        <p:txBody>
+          <a:bodyPr rtlCol="0" anchor="t"/>
+          <a:lstStyle/>
+          <a:p>
+            <a:pPr algn="ctr"/>
+            <a:r>
+              <a:rPr lang="en-IN" sz="1600" dirty="0">
+                <a:solidFill>
+                  <a:schemeClr val="tx1"/>
+                </a:solidFill>
+              </a:rPr>
+              <a:t>LangFuse Cloud</a:t>
+            </a:r>
+          </a:p>
+        </p:txBody>
+      </p:sp>
+      <p:pic>
+        <p:nvPicPr>
+          <p:cNvPr id="7" name="Graphic 6" descr="Cloud with solid fill">
+            <a:extLst>
+              <a:ext uri="{FF2B5EF4-FFF2-40B4-BE49-F238E27FC236}">
+                <a16:creationId xmlns:a16="http://schemas.microsoft.com/office/drawing/2014/main" id="{D70F6A96-AFC8-4A7A-662F-710A4AFCB43E}"/>
+              </a:ext>
+            </a:extLst>
+          </p:cNvPr>
+          <p:cNvPicPr>
+            <a:picLocks noChangeAspect="1"/>
+          </p:cNvPicPr>
+          <p:nvPr/>
+        </p:nvPicPr>
+        <p:blipFill>
+          <a:blip r:embed="rId2">
+            <a:extLst>
+              <a:ext uri="{96DAC541-7B7A-43D3-8B79-37D633B846F1}">
+                <asvg:svgBlip xmlns:asvg="http://schemas.microsoft.com/office/drawing/2016/SVG/main" r:embed="rId3"/>
+              </a:ext>
+            </a:extLst>
+          </a:blip>
+          <a:stretch>
+            <a:fillRect/>
+          </a:stretch>
+        </p:blipFill>
+        <p:spPr>
+          <a:xfrm>
+            <a:off x="929909" y="1191407"/>
+            <a:ext cx="1520538" cy="1520538"/>
+          </a:xfrm>
+          <a:prstGeom prst="rect">
+            <a:avLst/>
+          </a:prstGeom>
+        </p:spPr>
+      </p:pic>
+      <p:pic>
+        <p:nvPicPr>
+          <p:cNvPr id="5" name="Picture 4" descr="A black and white logo&#10;&#10;AI-generated content may be incorrect.">
+            <a:extLst>
+              <a:ext uri="{FF2B5EF4-FFF2-40B4-BE49-F238E27FC236}">
+                <a16:creationId xmlns:a16="http://schemas.microsoft.com/office/drawing/2014/main" id="{0E19101B-E32B-FE97-4A38-AC97E43140E6}"/>
+              </a:ext>
+            </a:extLst>
+          </p:cNvPr>
+          <p:cNvPicPr>
+            <a:picLocks noChangeAspect="1"/>
+          </p:cNvPicPr>
+          <p:nvPr/>
+        </p:nvPicPr>
+        <p:blipFill>
+          <a:blip r:embed="rId4">
+            <a:extLst>
+              <a:ext uri="{28A0092B-C50C-407E-A947-70E740481C1C}">
+                <a14:useLocalDpi xmlns:a14="http://schemas.microsoft.com/office/drawing/2010/main" val="0"/>
+              </a:ext>
+            </a:extLst>
+          </a:blip>
+          <a:stretch>
+            <a:fillRect/>
+          </a:stretch>
+        </p:blipFill>
+        <p:spPr>
+          <a:xfrm rot="16200000">
+            <a:off x="-938390" y="1695254"/>
+            <a:ext cx="2770629" cy="512848"/>
+          </a:xfrm>
+          <a:prstGeom prst="rect">
+            <a:avLst/>
+          </a:prstGeom>
+        </p:spPr>
+      </p:pic>
+      <p:sp>
+        <p:nvSpPr>
+          <p:cNvPr id="12" name="Rectangle 11">
+            <a:extLst>
+              <a:ext uri="{FF2B5EF4-FFF2-40B4-BE49-F238E27FC236}">
+                <a16:creationId xmlns:a16="http://schemas.microsoft.com/office/drawing/2014/main" id="{16F2D748-987F-DF31-BB98-2A1AA989AF1A}"/>
+              </a:ext>
+            </a:extLst>
+          </p:cNvPr>
+          <p:cNvSpPr/>
+          <p:nvPr/>
+        </p:nvSpPr>
+        <p:spPr>
+          <a:xfrm>
+            <a:off x="2736706" y="566362"/>
+            <a:ext cx="9264793" cy="2770628"/>
+          </a:xfrm>
+          <a:prstGeom prst="rect">
+            <a:avLst/>
+          </a:prstGeom>
+          <a:solidFill>
+            <a:schemeClr val="bg1">
+              <a:lumMod val="95000"/>
+            </a:schemeClr>
+          </a:solidFill>
+          <a:ln>
+            <a:solidFill>
+              <a:schemeClr val="bg1">
+                <a:lumMod val="95000"/>
+              </a:schemeClr>
+            </a:solidFill>
+          </a:ln>
+        </p:spPr>
+        <p:style>
+          <a:lnRef idx="2">
+            <a:schemeClr val="accent1">
+              <a:shade val="15000"/>
+            </a:schemeClr>
+          </a:lnRef>
+          <a:fillRef idx="1">
+            <a:schemeClr val="accent1"/>
+          </a:fillRef>
+          <a:effectRef idx="0">
+            <a:schemeClr val="accent1"/>
+          </a:effectRef>
+          <a:fontRef idx="minor">
+            <a:schemeClr val="lt1"/>
+          </a:fontRef>
+        </p:style>
+        <p:txBody>
+          <a:bodyPr rtlCol="0" anchor="t"/>
+          <a:lstStyle/>
+          <a:p>
+            <a:pPr marL="72000" indent="-144000">
+              <a:buFont typeface="Arial" panose="020B0604020202020204" pitchFamily="34" charset="0"/>
+              <a:buChar char="•"/>
+            </a:pPr>
+            <a:r>
+              <a:rPr lang="en-IN" sz="1600" dirty="0">
+                <a:solidFill>
+                  <a:srgbClr val="00B050"/>
+                </a:solidFill>
+              </a:rPr>
+              <a:t>Pros:</a:t>
+            </a:r>
+          </a:p>
+          <a:p>
+            <a:pPr marL="670950" lvl="1" indent="-285750">
+              <a:buFont typeface="Courier New" panose="02070309020205020404" pitchFamily="49" charset="0"/>
+              <a:buChar char="o"/>
+            </a:pPr>
+            <a:r>
+              <a:rPr lang="en-IN" sz="1600" dirty="0">
+                <a:solidFill>
+                  <a:schemeClr val="tx1"/>
+                </a:solidFill>
+              </a:rPr>
+              <a:t>Zero setup: Sign up, get API key, done</a:t>
+            </a:r>
+          </a:p>
+          <a:p>
+            <a:pPr marL="670950" lvl="1" indent="-285750">
+              <a:buFont typeface="Courier New" panose="02070309020205020404" pitchFamily="49" charset="0"/>
+              <a:buChar char="o"/>
+            </a:pPr>
+            <a:r>
+              <a:rPr lang="en-IN" sz="1600" dirty="0">
+                <a:solidFill>
+                  <a:schemeClr val="tx1"/>
+                </a:solidFill>
+              </a:rPr>
+              <a:t>Always-on dashboard, accessible anywhere</a:t>
+            </a:r>
+          </a:p>
+          <a:p>
+            <a:pPr marL="670950" lvl="1" indent="-285750">
+              <a:buFont typeface="Courier New" panose="02070309020205020404" pitchFamily="49" charset="0"/>
+              <a:buChar char="o"/>
+            </a:pPr>
+            <a:r>
+              <a:rPr lang="en-IN" sz="1600" dirty="0">
+                <a:solidFill>
+                  <a:schemeClr val="tx1"/>
+                </a:solidFill>
+              </a:rPr>
+              <a:t>No DevOps, no Docker</a:t>
+            </a:r>
+          </a:p>
+          <a:p>
+            <a:pPr marL="72000" indent="-144000">
+              <a:buFont typeface="Arial" panose="020B0604020202020204" pitchFamily="34" charset="0"/>
+              <a:buChar char="•"/>
+            </a:pPr>
+            <a:r>
+              <a:rPr lang="en-IN" sz="1600" dirty="0">
+                <a:solidFill>
+                  <a:srgbClr val="FF0000"/>
+                </a:solidFill>
+              </a:rPr>
+              <a:t>Cons:</a:t>
+            </a:r>
+          </a:p>
+          <a:p>
+            <a:pPr marL="670950" lvl="1" indent="-285750">
+              <a:buFont typeface="Courier New" panose="02070309020205020404" pitchFamily="49" charset="0"/>
+              <a:buChar char="o"/>
+            </a:pPr>
+            <a:r>
+              <a:rPr lang="en-IN" sz="1600" dirty="0">
+                <a:solidFill>
+                  <a:schemeClr val="tx1"/>
+                </a:solidFill>
+              </a:rPr>
+              <a:t>Privacy concerns</a:t>
+            </a:r>
+          </a:p>
+          <a:p>
+            <a:pPr marL="670950" lvl="1" indent="-285750">
+              <a:buFont typeface="Courier New" panose="02070309020205020404" pitchFamily="49" charset="0"/>
+              <a:buChar char="o"/>
+            </a:pPr>
+            <a:r>
+              <a:rPr lang="en-IN" sz="1600" dirty="0">
+                <a:solidFill>
+                  <a:schemeClr val="tx1"/>
+                </a:solidFill>
+              </a:rPr>
+              <a:t>Free tier is limited (5,000 traces per month)</a:t>
+            </a:r>
+          </a:p>
+          <a:p>
+            <a:pPr marL="670950" lvl="1" indent="-285750">
+              <a:buFont typeface="Courier New" panose="02070309020205020404" pitchFamily="49" charset="0"/>
+              <a:buChar char="o"/>
+            </a:pPr>
+            <a:r>
+              <a:rPr lang="en-IN" sz="1600" dirty="0">
+                <a:solidFill>
+                  <a:schemeClr val="tx1"/>
+                </a:solidFill>
+              </a:rPr>
+              <a:t>Cost increases with scaling</a:t>
+            </a:r>
+          </a:p>
+        </p:txBody>
+      </p:sp>
+      <p:pic>
+        <p:nvPicPr>
+          <p:cNvPr id="14" name="Picture 13" descr="A black and white logo&#10;&#10;AI-generated content may be incorrect.">
+            <a:extLst>
+              <a:ext uri="{FF2B5EF4-FFF2-40B4-BE49-F238E27FC236}">
+                <a16:creationId xmlns:a16="http://schemas.microsoft.com/office/drawing/2014/main" id="{41FB6A18-6401-BB4D-6CB5-B6537EB3C7ED}"/>
+              </a:ext>
+            </a:extLst>
+          </p:cNvPr>
+          <p:cNvPicPr>
+            <a:picLocks noChangeAspect="1"/>
+          </p:cNvPicPr>
+          <p:nvPr/>
+        </p:nvPicPr>
+        <p:blipFill>
+          <a:blip r:embed="rId4">
+            <a:extLst>
+              <a:ext uri="{28A0092B-C50C-407E-A947-70E740481C1C}">
+                <a14:useLocalDpi xmlns:a14="http://schemas.microsoft.com/office/drawing/2010/main" val="0"/>
+              </a:ext>
+            </a:extLst>
+          </a:blip>
+          <a:stretch>
+            <a:fillRect/>
+          </a:stretch>
+        </p:blipFill>
+        <p:spPr>
+          <a:xfrm rot="16200000">
+            <a:off x="-938391" y="4556380"/>
+            <a:ext cx="2770629" cy="512848"/>
+          </a:xfrm>
+          <a:prstGeom prst="rect">
+            <a:avLst/>
+          </a:prstGeom>
+        </p:spPr>
+      </p:pic>
+      <p:sp>
+        <p:nvSpPr>
+          <p:cNvPr id="15" name="Rectangle 14">
+            <a:extLst>
+              <a:ext uri="{FF2B5EF4-FFF2-40B4-BE49-F238E27FC236}">
+                <a16:creationId xmlns:a16="http://schemas.microsoft.com/office/drawing/2014/main" id="{FF474642-0E70-14D2-24E3-615922E30A72}"/>
+              </a:ext>
+            </a:extLst>
+          </p:cNvPr>
+          <p:cNvSpPr/>
+          <p:nvPr/>
+        </p:nvSpPr>
+        <p:spPr>
+          <a:xfrm>
+            <a:off x="703348" y="3427487"/>
+            <a:ext cx="1940349" cy="2770629"/>
+          </a:xfrm>
+          <a:prstGeom prst="rect">
+            <a:avLst/>
+          </a:prstGeom>
+          <a:solidFill>
+            <a:schemeClr val="bg1">
+              <a:lumMod val="95000"/>
+            </a:schemeClr>
+          </a:solidFill>
+          <a:ln>
+            <a:solidFill>
+              <a:schemeClr val="bg1">
+                <a:lumMod val="95000"/>
+              </a:schemeClr>
+            </a:solidFill>
+          </a:ln>
+        </p:spPr>
+        <p:style>
+          <a:lnRef idx="2">
+            <a:schemeClr val="accent1">
+              <a:shade val="15000"/>
+            </a:schemeClr>
+          </a:lnRef>
+          <a:fillRef idx="1">
+            <a:schemeClr val="accent1"/>
+          </a:fillRef>
+          <a:effectRef idx="0">
+            <a:schemeClr val="accent1"/>
+          </a:effectRef>
+          <a:fontRef idx="minor">
+            <a:schemeClr val="lt1"/>
+          </a:fontRef>
+        </p:style>
+        <p:txBody>
+          <a:bodyPr rtlCol="0" anchor="t"/>
+          <a:lstStyle/>
+          <a:p>
+            <a:pPr algn="ctr"/>
+            <a:r>
+              <a:rPr lang="en-IN" sz="1600" dirty="0">
+                <a:solidFill>
+                  <a:schemeClr val="tx1"/>
+                </a:solidFill>
+              </a:rPr>
+              <a:t>LangFuse Docker</a:t>
+            </a:r>
+          </a:p>
+        </p:txBody>
+      </p:sp>
+      <p:pic>
+        <p:nvPicPr>
+          <p:cNvPr id="2050" name="Picture 2" descr="Docker, logo, logos icon - Free download on Iconfinder">
+            <a:extLst>
+              <a:ext uri="{FF2B5EF4-FFF2-40B4-BE49-F238E27FC236}">
+                <a16:creationId xmlns:a16="http://schemas.microsoft.com/office/drawing/2014/main" id="{840120A0-6AAC-A8BF-360B-1B4788A7C686}"/>
+              </a:ext>
+            </a:extLst>
+          </p:cNvPr>
+          <p:cNvPicPr>
+            <a:picLocks noChangeAspect="1" noChangeArrowheads="1"/>
+          </p:cNvPicPr>
+          <p:nvPr/>
+        </p:nvPicPr>
+        <p:blipFill>
+          <a:blip r:embed="rId5">
+            <a:extLst>
+              <a:ext uri="{28A0092B-C50C-407E-A947-70E740481C1C}">
+                <a14:useLocalDpi xmlns:a14="http://schemas.microsoft.com/office/drawing/2010/main" val="0"/>
+              </a:ext>
+            </a:extLst>
+          </a:blip>
+          <a:srcRect/>
+          <a:stretch>
+            <a:fillRect/>
+          </a:stretch>
+        </p:blipFill>
+        <p:spPr bwMode="auto">
+          <a:xfrm>
+            <a:off x="929909" y="4052532"/>
+            <a:ext cx="1520538" cy="1520538"/>
+          </a:xfrm>
+          <a:prstGeom prst="rect">
+            <a:avLst/>
+          </a:prstGeom>
+          <a:noFill/>
+          <a:extLst>
+            <a:ext uri="{909E8E84-426E-40DD-AFC4-6F175D3DCCD1}">
+              <a14:hiddenFill xmlns:a14="http://schemas.microsoft.com/office/drawing/2010/main">
+                <a:solidFill>
+                  <a:srgbClr val="FFFFFF"/>
+                </a:solidFill>
+              </a14:hiddenFill>
+            </a:ext>
+          </a:extLst>
+        </p:spPr>
+      </p:pic>
+      <p:sp>
+        <p:nvSpPr>
+          <p:cNvPr id="16" name="Rectangle 15">
+            <a:extLst>
+              <a:ext uri="{FF2B5EF4-FFF2-40B4-BE49-F238E27FC236}">
+                <a16:creationId xmlns:a16="http://schemas.microsoft.com/office/drawing/2014/main" id="{07A0FC5E-D801-DAC1-8633-E6F7879E5910}"/>
+              </a:ext>
+            </a:extLst>
+          </p:cNvPr>
+          <p:cNvSpPr/>
+          <p:nvPr/>
+        </p:nvSpPr>
+        <p:spPr>
+          <a:xfrm>
+            <a:off x="2736706" y="3427488"/>
+            <a:ext cx="9264793" cy="2770628"/>
+          </a:xfrm>
+          <a:prstGeom prst="rect">
+            <a:avLst/>
+          </a:prstGeom>
+          <a:solidFill>
+            <a:schemeClr val="bg1">
+              <a:lumMod val="95000"/>
+            </a:schemeClr>
+          </a:solidFill>
+          <a:ln>
+            <a:solidFill>
+              <a:schemeClr val="bg1">
+                <a:lumMod val="95000"/>
+              </a:schemeClr>
+            </a:solidFill>
+          </a:ln>
+        </p:spPr>
+        <p:style>
+          <a:lnRef idx="2">
+            <a:schemeClr val="accent1">
+              <a:shade val="15000"/>
+            </a:schemeClr>
+          </a:lnRef>
+          <a:fillRef idx="1">
+            <a:schemeClr val="accent1"/>
+          </a:fillRef>
+          <a:effectRef idx="0">
+            <a:schemeClr val="accent1"/>
+          </a:effectRef>
+          <a:fontRef idx="minor">
+            <a:schemeClr val="lt1"/>
+          </a:fontRef>
+        </p:style>
+        <p:txBody>
+          <a:bodyPr rtlCol="0" anchor="t"/>
+          <a:lstStyle/>
+          <a:p>
+            <a:pPr marL="72000" indent="-144000">
+              <a:buFont typeface="Arial" panose="020B0604020202020204" pitchFamily="34" charset="0"/>
+              <a:buChar char="•"/>
+            </a:pPr>
+            <a:r>
+              <a:rPr lang="en-IN" sz="1600" dirty="0">
+                <a:solidFill>
+                  <a:srgbClr val="00B050"/>
+                </a:solidFill>
+              </a:rPr>
+              <a:t>Pros:</a:t>
+            </a:r>
+          </a:p>
+          <a:p>
+            <a:pPr marL="670950" lvl="1" indent="-285750">
+              <a:buFont typeface="Courier New" panose="02070309020205020404" pitchFamily="49" charset="0"/>
+              <a:buChar char="o"/>
+            </a:pPr>
+            <a:r>
+              <a:rPr lang="en-IN" sz="1600" dirty="0">
+                <a:solidFill>
+                  <a:schemeClr val="tx1"/>
+                </a:solidFill>
+              </a:rPr>
+              <a:t>Privacy: Data never leaves your premises</a:t>
+            </a:r>
+          </a:p>
+          <a:p>
+            <a:pPr marL="670950" lvl="1" indent="-285750">
+              <a:buFont typeface="Courier New" panose="02070309020205020404" pitchFamily="49" charset="0"/>
+              <a:buChar char="o"/>
+            </a:pPr>
+            <a:r>
+              <a:rPr lang="en-IN" sz="1600" dirty="0">
+                <a:solidFill>
+                  <a:schemeClr val="tx1"/>
+                </a:solidFill>
+              </a:rPr>
+              <a:t>Cost: free</a:t>
+            </a:r>
+          </a:p>
+          <a:p>
+            <a:pPr marL="670950" lvl="1" indent="-285750">
+              <a:buFont typeface="Courier New" panose="02070309020205020404" pitchFamily="49" charset="0"/>
+              <a:buChar char="o"/>
+            </a:pPr>
+            <a:r>
+              <a:rPr lang="en-IN" sz="1600" dirty="0">
+                <a:solidFill>
+                  <a:schemeClr val="tx1"/>
+                </a:solidFill>
+              </a:rPr>
+              <a:t>Learning: You get to know how LangFuse works under the hood</a:t>
+            </a:r>
+          </a:p>
+          <a:p>
+            <a:pPr marL="670950" lvl="1" indent="-285750">
+              <a:buFont typeface="Courier New" panose="02070309020205020404" pitchFamily="49" charset="0"/>
+              <a:buChar char="o"/>
+            </a:pPr>
+            <a:r>
+              <a:rPr lang="en-IN" sz="1600" dirty="0">
+                <a:solidFill>
+                  <a:schemeClr val="tx1"/>
+                </a:solidFill>
+              </a:rPr>
+              <a:t>Independence: No vendor lock-in, you can later deploy the same Docker setup to the cloud</a:t>
+            </a:r>
+          </a:p>
+          <a:p>
+            <a:pPr marL="72000" indent="-144000">
+              <a:buFont typeface="Arial" panose="020B0604020202020204" pitchFamily="34" charset="0"/>
+              <a:buChar char="•"/>
+            </a:pPr>
+            <a:r>
+              <a:rPr lang="en-IN" sz="1600" dirty="0">
+                <a:solidFill>
+                  <a:srgbClr val="FF0000"/>
+                </a:solidFill>
+              </a:rPr>
+              <a:t>Cons:</a:t>
+            </a:r>
+          </a:p>
+          <a:p>
+            <a:pPr marL="670950" lvl="1" indent="-285750">
+              <a:buFont typeface="Courier New" panose="02070309020205020404" pitchFamily="49" charset="0"/>
+              <a:buChar char="o"/>
+            </a:pPr>
+            <a:r>
+              <a:rPr lang="en-IN" sz="1600" dirty="0">
+                <a:solidFill>
+                  <a:schemeClr val="tx1"/>
+                </a:solidFill>
+              </a:rPr>
+              <a:t>You will need Docker running</a:t>
+            </a:r>
+          </a:p>
+          <a:p>
+            <a:pPr marL="670950" lvl="1" indent="-285750">
+              <a:buFont typeface="Courier New" panose="02070309020205020404" pitchFamily="49" charset="0"/>
+              <a:buChar char="o"/>
+            </a:pPr>
+            <a:r>
+              <a:rPr lang="en-IN" sz="1600" dirty="0">
+                <a:solidFill>
+                  <a:schemeClr val="tx1"/>
+                </a:solidFill>
+              </a:rPr>
+              <a:t>Local setup: Traces only available on your machine unless you expose it</a:t>
+            </a:r>
+          </a:p>
+          <a:p>
+            <a:pPr marL="670950" lvl="1" indent="-285750">
+              <a:buFont typeface="Courier New" panose="02070309020205020404" pitchFamily="49" charset="0"/>
+              <a:buChar char="o"/>
+            </a:pPr>
+            <a:r>
+              <a:rPr lang="en-IN" sz="1600" dirty="0">
+                <a:solidFill>
+                  <a:schemeClr val="tx1"/>
+                </a:solidFill>
+              </a:rPr>
+              <a:t>If you want to share dashboard, then host it on a cloud</a:t>
+            </a:r>
+          </a:p>
+          <a:p>
+            <a:pPr marL="670950" lvl="1" indent="-285750">
+              <a:buFont typeface="Courier New" panose="02070309020205020404" pitchFamily="49" charset="0"/>
+              <a:buChar char="o"/>
+            </a:pPr>
+            <a:endParaRPr lang="en-IN" sz="1600" dirty="0">
+              <a:solidFill>
+                <a:schemeClr val="tx1"/>
+              </a:solidFill>
+            </a:endParaRPr>
+          </a:p>
+        </p:txBody>
+      </p:sp>
+    </p:spTree>
+    <p:extLst>
+      <p:ext uri="{BB962C8B-B14F-4D97-AF65-F5344CB8AC3E}">
+        <p14:creationId xmlns:p14="http://schemas.microsoft.com/office/powerpoint/2010/main" val="355309191"/>
+      </p:ext>
+    </p:extLst>
+  </p:cSld>
+  <p:clrMapOvr>
+    <a:masterClrMapping/>
+  </p:clrMapOvr>
+</p:sld>
+</file>
+
+<file path=ppt/slides/slide12.xml><?xml version="1.0" encoding="utf-8"?>
+<p:sld xmlns:a="http://schemas.openxmlformats.org/drawingml/2006/main" xmlns:r="http://schemas.openxmlformats.org/officeDocument/2006/relationships" xmlns:p="http://schemas.openxmlformats.org/presentationml/2006/main">
+  <p:cSld>
+    <p:spTree>
+      <p:nvGrpSpPr>
+        <p:cNvPr id="1" name="">
+          <a:extLst>
+            <a:ext uri="{FF2B5EF4-FFF2-40B4-BE49-F238E27FC236}">
+              <a16:creationId xmlns:a16="http://schemas.microsoft.com/office/drawing/2014/main" id="{34A3344C-A4BD-88BB-F6EC-7A18C1BFABC0}"/>
+            </a:ext>
+          </a:extLst>
+        </p:cNvPr>
+        <p:cNvGrpSpPr/>
+        <p:nvPr/>
+      </p:nvGrpSpPr>
+      <p:grpSpPr>
+        <a:xfrm>
+          <a:off x="0" y="0"/>
+          <a:ext cx="0" cy="0"/>
+          <a:chOff x="0" y="0"/>
+          <a:chExt cx="0" cy="0"/>
+        </a:xfrm>
+      </p:grpSpPr>
+      <p:sp>
+        <p:nvSpPr>
+          <p:cNvPr id="2" name="TextBox 1">
+            <a:extLst>
+              <a:ext uri="{FF2B5EF4-FFF2-40B4-BE49-F238E27FC236}">
+                <a16:creationId xmlns:a16="http://schemas.microsoft.com/office/drawing/2014/main" id="{216F83D2-167F-09D4-34C7-1ED58196114B}"/>
+              </a:ext>
+            </a:extLst>
+          </p:cNvPr>
+          <p:cNvSpPr txBox="1"/>
+          <p:nvPr/>
+        </p:nvSpPr>
+        <p:spPr>
+          <a:xfrm>
+            <a:off x="190500" y="166254"/>
+            <a:ext cx="11811000" cy="400110"/>
+          </a:xfrm>
+          <a:prstGeom prst="rect">
+            <a:avLst/>
+          </a:prstGeom>
+          <a:noFill/>
+        </p:spPr>
+        <p:txBody>
+          <a:bodyPr wrap="square" rtlCol="0">
+            <a:spAutoFit/>
+          </a:bodyPr>
+          <a:lstStyle/>
+          <a:p>
+            <a:r>
+              <a:rPr lang="en-IN" sz="2000" b="1" dirty="0"/>
+              <a:t>&lt;Template&gt;</a:t>
+            </a:r>
+          </a:p>
+        </p:txBody>
+      </p:sp>
+    </p:spTree>
+    <p:extLst>
+      <p:ext uri="{BB962C8B-B14F-4D97-AF65-F5344CB8AC3E}">
+        <p14:creationId xmlns:p14="http://schemas.microsoft.com/office/powerpoint/2010/main" val="545519119"/>
       </p:ext>
     </p:extLst>
   </p:cSld>
